--- a/final-project/3/Final Project 3.pptx
+++ b/final-project/3/Final Project 3.pptx
@@ -5,16 +5,17 @@
     <p:sldMasterId id="2147483648" r:id="rId1"/>
   </p:sldMasterIdLst>
   <p:notesMasterIdLst>
-    <p:notesMasterId r:id="rId9"/>
+    <p:notesMasterId r:id="rId10"/>
   </p:notesMasterIdLst>
   <p:sldIdLst>
     <p:sldId id="256" r:id="rId2"/>
-    <p:sldId id="257" r:id="rId3"/>
-    <p:sldId id="258" r:id="rId4"/>
-    <p:sldId id="259" r:id="rId5"/>
-    <p:sldId id="260" r:id="rId6"/>
-    <p:sldId id="261" r:id="rId7"/>
-    <p:sldId id="262" r:id="rId8"/>
+    <p:sldId id="263" r:id="rId3"/>
+    <p:sldId id="257" r:id="rId4"/>
+    <p:sldId id="258" r:id="rId5"/>
+    <p:sldId id="259" r:id="rId6"/>
+    <p:sldId id="260" r:id="rId7"/>
+    <p:sldId id="261" r:id="rId8"/>
+    <p:sldId id="262" r:id="rId9"/>
   </p:sldIdLst>
   <p:sldSz cx="12192000" cy="6858000"/>
   <p:notesSz cx="6858000" cy="9144000"/>
@@ -113,6 +114,11 @@
       </a:defRPr>
     </a:lvl9pPr>
   </p:defaultTextStyle>
+  <p:extLst>
+    <p:ext uri="{EFAFB233-063F-42B5-8137-9DF3F51BA10A}">
+      <p15:sldGuideLst xmlns:p15="http://schemas.microsoft.com/office/powerpoint/2012/main"/>
+    </p:ext>
+  </p:extLst>
 </p:presentation>
 </file>
 
@@ -198,7 +204,7 @@
           <a:p>
             <a:fld id="{5BEE0B83-3BD9-E64A-BA24-3721F02AFF5F}" type="datetimeFigureOut">
               <a:rPr lang="en-US" smtClean="0"/>
-              <a:t>6/24/17</a:t>
+              <a:t>6/26/17</a:t>
             </a:fld>
             <a:endParaRPr lang="en-US"/>
           </a:p>
@@ -597,7 +603,7 @@
           <a:p>
             <a:fld id="{075858F8-63A2-C746-956D-2F3BC010146A}" type="datetimeFigureOut">
               <a:rPr lang="en-US" smtClean="0"/>
-              <a:t>6/24/17</a:t>
+              <a:t>6/26/17</a:t>
             </a:fld>
             <a:endParaRPr lang="en-US"/>
           </a:p>
@@ -767,7 +773,7 @@
           <a:p>
             <a:fld id="{075858F8-63A2-C746-956D-2F3BC010146A}" type="datetimeFigureOut">
               <a:rPr lang="en-US" smtClean="0"/>
-              <a:t>6/24/17</a:t>
+              <a:t>6/26/17</a:t>
             </a:fld>
             <a:endParaRPr lang="en-US"/>
           </a:p>
@@ -947,7 +953,7 @@
           <a:p>
             <a:fld id="{075858F8-63A2-C746-956D-2F3BC010146A}" type="datetimeFigureOut">
               <a:rPr lang="en-US" smtClean="0"/>
-              <a:t>6/24/17</a:t>
+              <a:t>6/26/17</a:t>
             </a:fld>
             <a:endParaRPr lang="en-US"/>
           </a:p>
@@ -1117,7 +1123,7 @@
           <a:p>
             <a:fld id="{075858F8-63A2-C746-956D-2F3BC010146A}" type="datetimeFigureOut">
               <a:rPr lang="en-US" smtClean="0"/>
-              <a:t>6/24/17</a:t>
+              <a:t>6/26/17</a:t>
             </a:fld>
             <a:endParaRPr lang="en-US"/>
           </a:p>
@@ -1363,7 +1369,7 @@
           <a:p>
             <a:fld id="{075858F8-63A2-C746-956D-2F3BC010146A}" type="datetimeFigureOut">
               <a:rPr lang="en-US" smtClean="0"/>
-              <a:t>6/24/17</a:t>
+              <a:t>6/26/17</a:t>
             </a:fld>
             <a:endParaRPr lang="en-US"/>
           </a:p>
@@ -1595,7 +1601,7 @@
           <a:p>
             <a:fld id="{075858F8-63A2-C746-956D-2F3BC010146A}" type="datetimeFigureOut">
               <a:rPr lang="en-US" smtClean="0"/>
-              <a:t>6/24/17</a:t>
+              <a:t>6/26/17</a:t>
             </a:fld>
             <a:endParaRPr lang="en-US"/>
           </a:p>
@@ -1962,7 +1968,7 @@
           <a:p>
             <a:fld id="{075858F8-63A2-C746-956D-2F3BC010146A}" type="datetimeFigureOut">
               <a:rPr lang="en-US" smtClean="0"/>
-              <a:t>6/24/17</a:t>
+              <a:t>6/26/17</a:t>
             </a:fld>
             <a:endParaRPr lang="en-US"/>
           </a:p>
@@ -2080,7 +2086,7 @@
           <a:p>
             <a:fld id="{075858F8-63A2-C746-956D-2F3BC010146A}" type="datetimeFigureOut">
               <a:rPr lang="en-US" smtClean="0"/>
-              <a:t>6/24/17</a:t>
+              <a:t>6/26/17</a:t>
             </a:fld>
             <a:endParaRPr lang="en-US"/>
           </a:p>
@@ -2175,7 +2181,7 @@
           <a:p>
             <a:fld id="{075858F8-63A2-C746-956D-2F3BC010146A}" type="datetimeFigureOut">
               <a:rPr lang="en-US" smtClean="0"/>
-              <a:t>6/24/17</a:t>
+              <a:t>6/26/17</a:t>
             </a:fld>
             <a:endParaRPr lang="en-US"/>
           </a:p>
@@ -2452,7 +2458,7 @@
           <a:p>
             <a:fld id="{075858F8-63A2-C746-956D-2F3BC010146A}" type="datetimeFigureOut">
               <a:rPr lang="en-US" smtClean="0"/>
-              <a:t>6/24/17</a:t>
+              <a:t>6/26/17</a:t>
             </a:fld>
             <a:endParaRPr lang="en-US"/>
           </a:p>
@@ -2705,7 +2711,7 @@
           <a:p>
             <a:fld id="{075858F8-63A2-C746-956D-2F3BC010146A}" type="datetimeFigureOut">
               <a:rPr lang="en-US" smtClean="0"/>
-              <a:t>6/24/17</a:t>
+              <a:t>6/26/17</a:t>
             </a:fld>
             <a:endParaRPr lang="en-US"/>
           </a:p>
@@ -2918,7 +2924,7 @@
           <a:p>
             <a:fld id="{075858F8-63A2-C746-956D-2F3BC010146A}" type="datetimeFigureOut">
               <a:rPr lang="en-US" smtClean="0"/>
-              <a:t>6/24/17</a:t>
+              <a:t>6/26/17</a:t>
             </a:fld>
             <a:endParaRPr lang="en-US"/>
           </a:p>
@@ -3379,6 +3385,13 @@
   <p:clrMapOvr>
     <a:masterClrMapping/>
   </p:clrMapOvr>
+  <p:timing>
+    <p:tnLst>
+      <p:par>
+        <p:cTn id="1" dur="indefinite" restart="never" nodeType="tmRoot"/>
+      </p:par>
+    </p:tnLst>
+  </p:timing>
 </p:sld>
 </file>
 
@@ -3399,6 +3412,124 @@
           <a:chExt cx="0" cy="0"/>
         </a:xfrm>
       </p:grpSpPr>
+      <p:pic>
+        <p:nvPicPr>
+          <p:cNvPr id="7" name="Content Placeholder 3"/>
+          <p:cNvPicPr>
+            <a:picLocks noChangeAspect="1"/>
+          </p:cNvPicPr>
+          <p:nvPr/>
+        </p:nvPicPr>
+        <p:blipFill rotWithShape="1">
+          <a:blip r:embed="rId2"/>
+          <a:srcRect r="3359" b="-3"/>
+          <a:stretch/>
+        </p:blipFill>
+        <p:spPr>
+          <a:xfrm>
+            <a:off x="5120640" y="1904281"/>
+            <a:ext cx="6233160" cy="4272681"/>
+          </a:xfrm>
+          <a:prstGeom prst="rect">
+            <a:avLst/>
+          </a:prstGeom>
+        </p:spPr>
+      </p:pic>
+      <p:sp>
+        <p:nvSpPr>
+          <p:cNvPr id="2" name="Title 1"/>
+          <p:cNvSpPr>
+            <a:spLocks noGrp="1"/>
+          </p:cNvSpPr>
+          <p:nvPr>
+            <p:ph type="title"/>
+          </p:nvPr>
+        </p:nvSpPr>
+        <p:spPr>
+          <a:xfrm>
+            <a:off x="838200" y="365125"/>
+            <a:ext cx="10515600" cy="1325563"/>
+          </a:xfrm>
+        </p:spPr>
+        <p:txBody>
+          <a:bodyPr>
+            <a:normAutofit/>
+          </a:bodyPr>
+          <a:lstStyle/>
+          <a:p>
+            <a:r>
+              <a:rPr lang="en-US" dirty="0"/>
+              <a:t>EDA	</a:t>
+            </a:r>
+          </a:p>
+        </p:txBody>
+      </p:sp>
+      <p:sp>
+        <p:nvSpPr>
+          <p:cNvPr id="9" name="Content Placeholder 8"/>
+          <p:cNvSpPr>
+            <a:spLocks noGrp="1"/>
+          </p:cNvSpPr>
+          <p:nvPr>
+            <p:ph idx="1"/>
+          </p:nvPr>
+        </p:nvSpPr>
+        <p:spPr>
+          <a:xfrm>
+            <a:off x="838200" y="1825625"/>
+            <a:ext cx="3797807" cy="4351338"/>
+          </a:xfrm>
+        </p:spPr>
+        <p:txBody>
+          <a:bodyPr>
+            <a:normAutofit/>
+          </a:bodyPr>
+          <a:lstStyle/>
+          <a:p>
+            <a:r>
+              <a:rPr lang="en-US" sz="2000" dirty="0" smtClean="0"/>
+              <a:t>Crosstab between “satisfaction level” and “left”</a:t>
+            </a:r>
+          </a:p>
+        </p:txBody>
+      </p:sp>
+    </p:spTree>
+    <p:extLst>
+      <p:ext uri="{BB962C8B-B14F-4D97-AF65-F5344CB8AC3E}">
+        <p14:creationId xmlns:p14="http://schemas.microsoft.com/office/powerpoint/2010/main" val="1410668895"/>
+      </p:ext>
+    </p:extLst>
+  </p:cSld>
+  <p:clrMapOvr>
+    <a:masterClrMapping/>
+  </p:clrMapOvr>
+  <p:timing>
+    <p:tnLst>
+      <p:par>
+        <p:cTn id="1" dur="indefinite" restart="never" nodeType="tmRoot"/>
+      </p:par>
+    </p:tnLst>
+  </p:timing>
+</p:sld>
+</file>
+
+<file path=ppt/slides/slide3.xml><?xml version="1.0" encoding="utf-8"?>
+<p:sld xmlns:a="http://schemas.openxmlformats.org/drawingml/2006/main" xmlns:r="http://schemas.openxmlformats.org/officeDocument/2006/relationships" xmlns:p="http://schemas.openxmlformats.org/presentationml/2006/main">
+  <p:cSld>
+    <p:spTree>
+      <p:nvGrpSpPr>
+        <p:cNvPr id="1" name=""/>
+        <p:cNvGrpSpPr/>
+        <p:nvPr/>
+      </p:nvGrpSpPr>
+      <p:grpSpPr>
+        <a:xfrm>
+          <a:off x="0" y="0"/>
+          <a:ext cx="0" cy="0"/>
+          <a:chOff x="0" y="0"/>
+          <a:chExt cx="0" cy="0"/>
+        </a:xfrm>
+      </p:grpSpPr>
       <p:sp>
         <p:nvSpPr>
           <p:cNvPr id="2" name="Title 1"/>
@@ -3535,7 +3666,7 @@
 </p:sld>
 </file>
 
-<file path=ppt/slides/slide3.xml><?xml version="1.0" encoding="utf-8"?>
+<file path=ppt/slides/slide4.xml><?xml version="1.0" encoding="utf-8"?>
 <p:sld xmlns:a="http://schemas.openxmlformats.org/drawingml/2006/main" xmlns:r="http://schemas.openxmlformats.org/officeDocument/2006/relationships" xmlns:p="http://schemas.openxmlformats.org/presentationml/2006/main">
   <p:cSld>
     <p:spTree>
@@ -3632,11 +3763,7 @@
             </a:r>
             <a:r>
               <a:rPr lang="en-US" sz="2000" dirty="0" smtClean="0"/>
-              <a:t>salary </a:t>
-            </a:r>
-            <a:r>
-              <a:rPr lang="en-US" sz="2000" dirty="0" smtClean="0"/>
-              <a:t>classification</a:t>
+              <a:t>salary classification</a:t>
             </a:r>
           </a:p>
           <a:p>
@@ -4383,838 +4510,6 @@
     <p:extLst>
       <p:ext uri="{BB962C8B-B14F-4D97-AF65-F5344CB8AC3E}">
         <p14:creationId xmlns:p14="http://schemas.microsoft.com/office/powerpoint/2010/main" val="3340786296"/>
-      </p:ext>
-    </p:extLst>
-  </p:cSld>
-  <p:clrMapOvr>
-    <a:masterClrMapping/>
-  </p:clrMapOvr>
-</p:sld>
-</file>
-
-<file path=ppt/slides/slide4.xml><?xml version="1.0" encoding="utf-8"?>
-<p:sld xmlns:a="http://schemas.openxmlformats.org/drawingml/2006/main" xmlns:r="http://schemas.openxmlformats.org/officeDocument/2006/relationships" xmlns:p="http://schemas.openxmlformats.org/presentationml/2006/main">
-  <p:cSld>
-    <p:spTree>
-      <p:nvGrpSpPr>
-        <p:cNvPr id="1" name=""/>
-        <p:cNvGrpSpPr/>
-        <p:nvPr/>
-      </p:nvGrpSpPr>
-      <p:grpSpPr>
-        <a:xfrm>
-          <a:off x="0" y="0"/>
-          <a:ext cx="0" cy="0"/>
-          <a:chOff x="0" y="0"/>
-          <a:chExt cx="0" cy="0"/>
-        </a:xfrm>
-      </p:grpSpPr>
-      <p:pic>
-        <p:nvPicPr>
-          <p:cNvPr id="4" name="Picture 3"/>
-          <p:cNvPicPr>
-            <a:picLocks noChangeAspect="1"/>
-          </p:cNvPicPr>
-          <p:nvPr/>
-        </p:nvPicPr>
-        <p:blipFill rotWithShape="1">
-          <a:blip r:embed="rId2"/>
-          <a:srcRect l="4167" r="-2" b="-2"/>
-          <a:stretch/>
-        </p:blipFill>
-        <p:spPr>
-          <a:xfrm>
-            <a:off x="5120640" y="1904281"/>
-            <a:ext cx="6233160" cy="4272681"/>
-          </a:xfrm>
-          <a:prstGeom prst="rect">
-            <a:avLst/>
-          </a:prstGeom>
-        </p:spPr>
-      </p:pic>
-      <p:sp>
-        <p:nvSpPr>
-          <p:cNvPr id="2" name="Title 1"/>
-          <p:cNvSpPr>
-            <a:spLocks noGrp="1"/>
-          </p:cNvSpPr>
-          <p:nvPr>
-            <p:ph type="title"/>
-          </p:nvPr>
-        </p:nvSpPr>
-        <p:spPr>
-          <a:xfrm>
-            <a:off x="838200" y="365125"/>
-            <a:ext cx="10515600" cy="1325563"/>
-          </a:xfrm>
-        </p:spPr>
-        <p:txBody>
-          <a:bodyPr>
-            <a:normAutofit/>
-          </a:bodyPr>
-          <a:lstStyle/>
-          <a:p>
-            <a:r>
-              <a:rPr lang="en-US" dirty="0"/>
-              <a:t>Log odds plots </a:t>
-            </a:r>
-          </a:p>
-        </p:txBody>
-      </p:sp>
-      <p:sp>
-        <p:nvSpPr>
-          <p:cNvPr id="3" name="Content Placeholder 2"/>
-          <p:cNvSpPr>
-            <a:spLocks noGrp="1"/>
-          </p:cNvSpPr>
-          <p:nvPr>
-            <p:ph idx="1"/>
-          </p:nvPr>
-        </p:nvSpPr>
-        <p:spPr>
-          <a:xfrm>
-            <a:off x="838200" y="1825625"/>
-            <a:ext cx="3797807" cy="4351338"/>
-          </a:xfrm>
-        </p:spPr>
-        <p:txBody>
-          <a:bodyPr>
-            <a:normAutofit/>
-          </a:bodyPr>
-          <a:lstStyle/>
-          <a:p>
-            <a:r>
-              <a:rPr lang="en-US" sz="2000" dirty="0"/>
-              <a:t>Medium </a:t>
-            </a:r>
-            <a:r>
-              <a:rPr lang="en-US" sz="2000" dirty="0" smtClean="0"/>
-              <a:t>salary c</a:t>
-            </a:r>
-            <a:r>
-              <a:rPr lang="en-US" sz="2000" dirty="0" smtClean="0"/>
-              <a:t>lassification</a:t>
-            </a:r>
-            <a:endParaRPr lang="en-US" sz="2000" dirty="0"/>
-          </a:p>
-          <a:p>
-            <a:pPr lvl="1"/>
-            <a:r>
-              <a:rPr lang="en-US" sz="2000" dirty="0"/>
-              <a:t>Model still not any better at 57%</a:t>
-            </a:r>
-          </a:p>
-        </p:txBody>
-      </p:sp>
-      <p:graphicFrame>
-        <p:nvGraphicFramePr>
-          <p:cNvPr id="5" name="Table 4"/>
-          <p:cNvGraphicFramePr>
-            <a:graphicFrameLocks noGrp="1"/>
-          </p:cNvGraphicFramePr>
-          <p:nvPr>
-            <p:extLst>
-              <p:ext uri="{D42A27DB-BD31-4B8C-83A1-F6EECF244321}">
-                <p14:modId xmlns:p14="http://schemas.microsoft.com/office/powerpoint/2010/main" val="753122780"/>
-              </p:ext>
-            </p:extLst>
-          </p:nvPr>
-        </p:nvGraphicFramePr>
-        <p:xfrm>
-          <a:off x="595883" y="3041510"/>
-          <a:ext cx="4282440" cy="1919567"/>
-        </p:xfrm>
-        <a:graphic>
-          <a:graphicData uri="http://schemas.openxmlformats.org/drawingml/2006/table">
-            <a:tbl>
-              <a:tblPr/>
-              <a:tblGrid>
-                <a:gridCol w="1427480"/>
-                <a:gridCol w="1427480"/>
-                <a:gridCol w="1427480"/>
-              </a:tblGrid>
-              <a:tr h="423109">
-                <a:tc>
-                  <a:txBody>
-                    <a:bodyPr/>
-                    <a:lstStyle/>
-                    <a:p>
-                      <a:pPr algn="l" fontAlgn="ctr"/>
-                      <a:r>
-                        <a:rPr lang="en-US" b="1">
-                          <a:effectLst/>
-                        </a:rPr>
-                        <a:t>True Class</a:t>
-                      </a:r>
-                    </a:p>
-                  </a:txBody>
-                  <a:tcPr marL="50800" marR="50800" marT="50800" marB="50800" anchor="ctr">
-                    <a:lnL w="12700" cap="flat" cmpd="sng" algn="ctr">
-                      <a:solidFill>
-                        <a:srgbClr val="000000"/>
-                      </a:solidFill>
-                      <a:prstDash val="solid"/>
-                      <a:round/>
-                      <a:headEnd type="none" w="med" len="med"/>
-                      <a:tailEnd type="none" w="med" len="med"/>
-                    </a:lnL>
-                    <a:lnR w="12700" cap="flat" cmpd="sng" algn="ctr">
-                      <a:solidFill>
-                        <a:srgbClr val="000000"/>
-                      </a:solidFill>
-                      <a:prstDash val="solid"/>
-                      <a:round/>
-                      <a:headEnd type="none" w="med" len="med"/>
-                      <a:tailEnd type="none" w="med" len="med"/>
-                    </a:lnR>
-                    <a:lnT w="12700" cap="flat" cmpd="sng" algn="ctr">
-                      <a:solidFill>
-                        <a:srgbClr val="000000"/>
-                      </a:solidFill>
-                      <a:prstDash val="solid"/>
-                      <a:round/>
-                      <a:headEnd type="none" w="med" len="med"/>
-                      <a:tailEnd type="none" w="med" len="med"/>
-                    </a:lnT>
-                    <a:lnB w="12700" cap="flat" cmpd="sng" algn="ctr">
-                      <a:solidFill>
-                        <a:srgbClr val="000000"/>
-                      </a:solidFill>
-                      <a:prstDash val="solid"/>
-                      <a:round/>
-                      <a:headEnd type="none" w="med" len="med"/>
-                      <a:tailEnd type="none" w="med" len="med"/>
-                    </a:lnB>
-                    <a:solidFill>
-                      <a:srgbClr val="FFFFFF"/>
-                    </a:solidFill>
-                  </a:tcPr>
-                </a:tc>
-                <a:tc>
-                  <a:txBody>
-                    <a:bodyPr/>
-                    <a:lstStyle/>
-                    <a:p>
-                      <a:pPr algn="l" fontAlgn="ctr"/>
-                      <a:r>
-                        <a:rPr lang="en-US" b="1">
-                          <a:effectLst/>
-                        </a:rPr>
-                        <a:t>0</a:t>
-                      </a:r>
-                    </a:p>
-                  </a:txBody>
-                  <a:tcPr marL="50800" marR="50800" marT="50800" marB="50800" anchor="ctr">
-                    <a:lnL w="12700" cap="flat" cmpd="sng" algn="ctr">
-                      <a:solidFill>
-                        <a:srgbClr val="000000"/>
-                      </a:solidFill>
-                      <a:prstDash val="solid"/>
-                      <a:round/>
-                      <a:headEnd type="none" w="med" len="med"/>
-                      <a:tailEnd type="none" w="med" len="med"/>
-                    </a:lnL>
-                    <a:lnR w="12700" cap="flat" cmpd="sng" algn="ctr">
-                      <a:solidFill>
-                        <a:srgbClr val="000000"/>
-                      </a:solidFill>
-                      <a:prstDash val="solid"/>
-                      <a:round/>
-                      <a:headEnd type="none" w="med" len="med"/>
-                      <a:tailEnd type="none" w="med" len="med"/>
-                    </a:lnR>
-                    <a:lnT w="12700" cap="flat" cmpd="sng" algn="ctr">
-                      <a:solidFill>
-                        <a:srgbClr val="000000"/>
-                      </a:solidFill>
-                      <a:prstDash val="solid"/>
-                      <a:round/>
-                      <a:headEnd type="none" w="med" len="med"/>
-                      <a:tailEnd type="none" w="med" len="med"/>
-                    </a:lnT>
-                    <a:lnB w="12700" cap="flat" cmpd="sng" algn="ctr">
-                      <a:solidFill>
-                        <a:srgbClr val="000000"/>
-                      </a:solidFill>
-                      <a:prstDash val="solid"/>
-                      <a:round/>
-                      <a:headEnd type="none" w="med" len="med"/>
-                      <a:tailEnd type="none" w="med" len="med"/>
-                    </a:lnB>
-                    <a:solidFill>
-                      <a:srgbClr val="FFFFFF"/>
-                    </a:solidFill>
-                  </a:tcPr>
-                </a:tc>
-                <a:tc>
-                  <a:txBody>
-                    <a:bodyPr/>
-                    <a:lstStyle/>
-                    <a:p>
-                      <a:pPr algn="l" fontAlgn="ctr"/>
-                      <a:r>
-                        <a:rPr lang="en-US" b="1">
-                          <a:effectLst/>
-                        </a:rPr>
-                        <a:t>1</a:t>
-                      </a:r>
-                    </a:p>
-                  </a:txBody>
-                  <a:tcPr marL="50800" marR="50800" marT="50800" marB="50800" anchor="ctr">
-                    <a:lnL w="12700" cap="flat" cmpd="sng" algn="ctr">
-                      <a:solidFill>
-                        <a:srgbClr val="000000"/>
-                      </a:solidFill>
-                      <a:prstDash val="solid"/>
-                      <a:round/>
-                      <a:headEnd type="none" w="med" len="med"/>
-                      <a:tailEnd type="none" w="med" len="med"/>
-                    </a:lnL>
-                    <a:lnR w="12700" cap="flat" cmpd="sng" algn="ctr">
-                      <a:solidFill>
-                        <a:srgbClr val="000000"/>
-                      </a:solidFill>
-                      <a:prstDash val="solid"/>
-                      <a:round/>
-                      <a:headEnd type="none" w="med" len="med"/>
-                      <a:tailEnd type="none" w="med" len="med"/>
-                    </a:lnR>
-                    <a:lnT w="12700" cap="flat" cmpd="sng" algn="ctr">
-                      <a:solidFill>
-                        <a:srgbClr val="000000"/>
-                      </a:solidFill>
-                      <a:prstDash val="solid"/>
-                      <a:round/>
-                      <a:headEnd type="none" w="med" len="med"/>
-                      <a:tailEnd type="none" w="med" len="med"/>
-                    </a:lnT>
-                    <a:lnB w="12700" cap="flat" cmpd="sng" algn="ctr">
-                      <a:solidFill>
-                        <a:srgbClr val="000000"/>
-                      </a:solidFill>
-                      <a:prstDash val="solid"/>
-                      <a:round/>
-                      <a:headEnd type="none" w="med" len="med"/>
-                      <a:tailEnd type="none" w="med" len="med"/>
-                    </a:lnB>
-                    <a:solidFill>
-                      <a:srgbClr val="FFFFFF"/>
-                    </a:solidFill>
-                  </a:tcPr>
-                </a:tc>
-              </a:tr>
-              <a:tr h="423109">
-                <a:tc>
-                  <a:txBody>
-                    <a:bodyPr/>
-                    <a:lstStyle/>
-                    <a:p>
-                      <a:pPr algn="l" fontAlgn="ctr"/>
-                      <a:r>
-                        <a:rPr lang="en-US" b="1">
-                          <a:effectLst/>
-                        </a:rPr>
-                        <a:t>Hypothesized Class</a:t>
-                      </a:r>
-                    </a:p>
-                  </a:txBody>
-                  <a:tcPr marL="50800" marR="50800" marT="50800" marB="50800" anchor="ctr">
-                    <a:lnL w="12700" cap="flat" cmpd="sng" algn="ctr">
-                      <a:solidFill>
-                        <a:srgbClr val="000000"/>
-                      </a:solidFill>
-                      <a:prstDash val="solid"/>
-                      <a:round/>
-                      <a:headEnd type="none" w="med" len="med"/>
-                      <a:tailEnd type="none" w="med" len="med"/>
-                    </a:lnL>
-                    <a:lnR w="12700" cap="flat" cmpd="sng" algn="ctr">
-                      <a:solidFill>
-                        <a:srgbClr val="000000"/>
-                      </a:solidFill>
-                      <a:prstDash val="solid"/>
-                      <a:round/>
-                      <a:headEnd type="none" w="med" len="med"/>
-                      <a:tailEnd type="none" w="med" len="med"/>
-                    </a:lnR>
-                    <a:lnT w="12700" cap="flat" cmpd="sng" algn="ctr">
-                      <a:solidFill>
-                        <a:srgbClr val="000000"/>
-                      </a:solidFill>
-                      <a:prstDash val="solid"/>
-                      <a:round/>
-                      <a:headEnd type="none" w="med" len="med"/>
-                      <a:tailEnd type="none" w="med" len="med"/>
-                    </a:lnT>
-                    <a:lnB w="12700" cap="flat" cmpd="sng" algn="ctr">
-                      <a:solidFill>
-                        <a:srgbClr val="000000"/>
-                      </a:solidFill>
-                      <a:prstDash val="solid"/>
-                      <a:round/>
-                      <a:headEnd type="none" w="med" len="med"/>
-                      <a:tailEnd type="none" w="med" len="med"/>
-                    </a:lnB>
-                    <a:solidFill>
-                      <a:srgbClr val="FFFFFF"/>
-                    </a:solidFill>
-                  </a:tcPr>
-                </a:tc>
-                <a:tc>
-                  <a:txBody>
-                    <a:bodyPr/>
-                    <a:lstStyle/>
-                    <a:p>
-                      <a:pPr algn="l" fontAlgn="ctr"/>
-                      <a:endParaRPr lang="en-US" b="1">
-                        <a:effectLst/>
-                      </a:endParaRPr>
-                    </a:p>
-                  </a:txBody>
-                  <a:tcPr marL="50800" marR="50800" marT="50800" marB="50800" anchor="ctr">
-                    <a:lnL w="12700" cap="flat" cmpd="sng" algn="ctr">
-                      <a:solidFill>
-                        <a:srgbClr val="000000"/>
-                      </a:solidFill>
-                      <a:prstDash val="solid"/>
-                      <a:round/>
-                      <a:headEnd type="none" w="med" len="med"/>
-                      <a:tailEnd type="none" w="med" len="med"/>
-                    </a:lnL>
-                    <a:lnR w="12700" cap="flat" cmpd="sng" algn="ctr">
-                      <a:solidFill>
-                        <a:srgbClr val="000000"/>
-                      </a:solidFill>
-                      <a:prstDash val="solid"/>
-                      <a:round/>
-                      <a:headEnd type="none" w="med" len="med"/>
-                      <a:tailEnd type="none" w="med" len="med"/>
-                    </a:lnR>
-                    <a:lnT w="12700" cap="flat" cmpd="sng" algn="ctr">
-                      <a:solidFill>
-                        <a:srgbClr val="000000"/>
-                      </a:solidFill>
-                      <a:prstDash val="solid"/>
-                      <a:round/>
-                      <a:headEnd type="none" w="med" len="med"/>
-                      <a:tailEnd type="none" w="med" len="med"/>
-                    </a:lnT>
-                    <a:lnB w="12700" cap="flat" cmpd="sng" algn="ctr">
-                      <a:solidFill>
-                        <a:srgbClr val="000000"/>
-                      </a:solidFill>
-                      <a:prstDash val="solid"/>
-                      <a:round/>
-                      <a:headEnd type="none" w="med" len="med"/>
-                      <a:tailEnd type="none" w="med" len="med"/>
-                    </a:lnB>
-                    <a:solidFill>
-                      <a:srgbClr val="FFFFFF"/>
-                    </a:solidFill>
-                  </a:tcPr>
-                </a:tc>
-                <a:tc>
-                  <a:txBody>
-                    <a:bodyPr/>
-                    <a:lstStyle/>
-                    <a:p>
-                      <a:pPr algn="l" fontAlgn="ctr"/>
-                      <a:endParaRPr lang="en-US" b="1" dirty="0">
-                        <a:effectLst/>
-                      </a:endParaRPr>
-                    </a:p>
-                  </a:txBody>
-                  <a:tcPr marL="50800" marR="50800" marT="50800" marB="50800" anchor="ctr">
-                    <a:lnL w="12700" cap="flat" cmpd="sng" algn="ctr">
-                      <a:solidFill>
-                        <a:srgbClr val="000000"/>
-                      </a:solidFill>
-                      <a:prstDash val="solid"/>
-                      <a:round/>
-                      <a:headEnd type="none" w="med" len="med"/>
-                      <a:tailEnd type="none" w="med" len="med"/>
-                    </a:lnL>
-                    <a:lnR w="12700" cap="flat" cmpd="sng" algn="ctr">
-                      <a:solidFill>
-                        <a:srgbClr val="000000"/>
-                      </a:solidFill>
-                      <a:prstDash val="solid"/>
-                      <a:round/>
-                      <a:headEnd type="none" w="med" len="med"/>
-                      <a:tailEnd type="none" w="med" len="med"/>
-                    </a:lnR>
-                    <a:lnT w="12700" cap="flat" cmpd="sng" algn="ctr">
-                      <a:solidFill>
-                        <a:srgbClr val="000000"/>
-                      </a:solidFill>
-                      <a:prstDash val="solid"/>
-                      <a:round/>
-                      <a:headEnd type="none" w="med" len="med"/>
-                      <a:tailEnd type="none" w="med" len="med"/>
-                    </a:lnT>
-                    <a:lnB w="12700" cap="flat" cmpd="sng" algn="ctr">
-                      <a:solidFill>
-                        <a:srgbClr val="000000"/>
-                      </a:solidFill>
-                      <a:prstDash val="solid"/>
-                      <a:round/>
-                      <a:headEnd type="none" w="med" len="med"/>
-                      <a:tailEnd type="none" w="med" len="med"/>
-                    </a:lnB>
-                    <a:solidFill>
-                      <a:srgbClr val="FFFFFF"/>
-                    </a:solidFill>
-                  </a:tcPr>
-                </a:tc>
-              </a:tr>
-              <a:tr h="423109">
-                <a:tc>
-                  <a:txBody>
-                    <a:bodyPr/>
-                    <a:lstStyle/>
-                    <a:p>
-                      <a:pPr algn="l" fontAlgn="ctr"/>
-                      <a:r>
-                        <a:rPr lang="nb-NO" b="1">
-                          <a:effectLst/>
-                        </a:rPr>
-                        <a:t>0.0</a:t>
-                      </a:r>
-                    </a:p>
-                  </a:txBody>
-                  <a:tcPr marL="50800" marR="50800" marT="50800" marB="50800" anchor="ctr">
-                    <a:lnL w="12700" cap="flat" cmpd="sng" algn="ctr">
-                      <a:solidFill>
-                        <a:srgbClr val="000000"/>
-                      </a:solidFill>
-                      <a:prstDash val="solid"/>
-                      <a:round/>
-                      <a:headEnd type="none" w="med" len="med"/>
-                      <a:tailEnd type="none" w="med" len="med"/>
-                    </a:lnL>
-                    <a:lnR w="12700" cap="flat" cmpd="sng" algn="ctr">
-                      <a:solidFill>
-                        <a:srgbClr val="000000"/>
-                      </a:solidFill>
-                      <a:prstDash val="solid"/>
-                      <a:round/>
-                      <a:headEnd type="none" w="med" len="med"/>
-                      <a:tailEnd type="none" w="med" len="med"/>
-                    </a:lnR>
-                    <a:lnT w="12700" cap="flat" cmpd="sng" algn="ctr">
-                      <a:solidFill>
-                        <a:srgbClr val="000000"/>
-                      </a:solidFill>
-                      <a:prstDash val="solid"/>
-                      <a:round/>
-                      <a:headEnd type="none" w="med" len="med"/>
-                      <a:tailEnd type="none" w="med" len="med"/>
-                    </a:lnT>
-                    <a:lnB w="12700" cap="flat" cmpd="sng" algn="ctr">
-                      <a:solidFill>
-                        <a:srgbClr val="000000"/>
-                      </a:solidFill>
-                      <a:prstDash val="solid"/>
-                      <a:round/>
-                      <a:headEnd type="none" w="med" len="med"/>
-                      <a:tailEnd type="none" w="med" len="med"/>
-                    </a:lnB>
-                    <a:solidFill>
-                      <a:srgbClr val="FFFFFF"/>
-                    </a:solidFill>
-                  </a:tcPr>
-                </a:tc>
-                <a:tc>
-                  <a:txBody>
-                    <a:bodyPr/>
-                    <a:lstStyle/>
-                    <a:p>
-                      <a:pPr algn="l" fontAlgn="ctr"/>
-                      <a:r>
-                        <a:rPr lang="en-US">
-                          <a:effectLst/>
-                        </a:rPr>
-                        <a:t>8431</a:t>
-                      </a:r>
-                    </a:p>
-                  </a:txBody>
-                  <a:tcPr marL="50800" marR="50800" marT="50800" marB="50800" anchor="ctr">
-                    <a:lnL w="12700" cap="flat" cmpd="sng" algn="ctr">
-                      <a:solidFill>
-                        <a:srgbClr val="000000"/>
-                      </a:solidFill>
-                      <a:prstDash val="solid"/>
-                      <a:round/>
-                      <a:headEnd type="none" w="med" len="med"/>
-                      <a:tailEnd type="none" w="med" len="med"/>
-                    </a:lnL>
-                    <a:lnR w="12700" cap="flat" cmpd="sng" algn="ctr">
-                      <a:solidFill>
-                        <a:srgbClr val="000000"/>
-                      </a:solidFill>
-                      <a:prstDash val="solid"/>
-                      <a:round/>
-                      <a:headEnd type="none" w="med" len="med"/>
-                      <a:tailEnd type="none" w="med" len="med"/>
-                    </a:lnR>
-                    <a:lnT w="12700" cap="flat" cmpd="sng" algn="ctr">
-                      <a:solidFill>
-                        <a:srgbClr val="000000"/>
-                      </a:solidFill>
-                      <a:prstDash val="solid"/>
-                      <a:round/>
-                      <a:headEnd type="none" w="med" len="med"/>
-                      <a:tailEnd type="none" w="med" len="med"/>
-                    </a:lnT>
-                    <a:lnB w="12700" cap="flat" cmpd="sng" algn="ctr">
-                      <a:solidFill>
-                        <a:srgbClr val="000000"/>
-                      </a:solidFill>
-                      <a:prstDash val="solid"/>
-                      <a:round/>
-                      <a:headEnd type="none" w="med" len="med"/>
-                      <a:tailEnd type="none" w="med" len="med"/>
-                    </a:lnB>
-                    <a:solidFill>
-                      <a:srgbClr val="FFFFFF"/>
-                    </a:solidFill>
-                  </a:tcPr>
-                </a:tc>
-                <a:tc>
-                  <a:txBody>
-                    <a:bodyPr/>
-                    <a:lstStyle/>
-                    <a:p>
-                      <a:pPr algn="l" fontAlgn="ctr"/>
-                      <a:r>
-                        <a:rPr lang="is-IS">
-                          <a:effectLst/>
-                        </a:rPr>
-                        <a:t>6350</a:t>
-                      </a:r>
-                    </a:p>
-                  </a:txBody>
-                  <a:tcPr marL="50800" marR="50800" marT="50800" marB="50800" anchor="ctr">
-                    <a:lnL w="12700" cap="flat" cmpd="sng" algn="ctr">
-                      <a:solidFill>
-                        <a:srgbClr val="000000"/>
-                      </a:solidFill>
-                      <a:prstDash val="solid"/>
-                      <a:round/>
-                      <a:headEnd type="none" w="med" len="med"/>
-                      <a:tailEnd type="none" w="med" len="med"/>
-                    </a:lnL>
-                    <a:lnR w="12700" cap="flat" cmpd="sng" algn="ctr">
-                      <a:solidFill>
-                        <a:srgbClr val="000000"/>
-                      </a:solidFill>
-                      <a:prstDash val="solid"/>
-                      <a:round/>
-                      <a:headEnd type="none" w="med" len="med"/>
-                      <a:tailEnd type="none" w="med" len="med"/>
-                    </a:lnR>
-                    <a:lnT w="12700" cap="flat" cmpd="sng" algn="ctr">
-                      <a:solidFill>
-                        <a:srgbClr val="000000"/>
-                      </a:solidFill>
-                      <a:prstDash val="solid"/>
-                      <a:round/>
-                      <a:headEnd type="none" w="med" len="med"/>
-                      <a:tailEnd type="none" w="med" len="med"/>
-                    </a:lnT>
-                    <a:lnB w="12700" cap="flat" cmpd="sng" algn="ctr">
-                      <a:solidFill>
-                        <a:srgbClr val="000000"/>
-                      </a:solidFill>
-                      <a:prstDash val="solid"/>
-                      <a:round/>
-                      <a:headEnd type="none" w="med" len="med"/>
-                      <a:tailEnd type="none" w="med" len="med"/>
-                    </a:lnB>
-                    <a:solidFill>
-                      <a:srgbClr val="FFFFFF"/>
-                    </a:solidFill>
-                  </a:tcPr>
-                </a:tc>
-              </a:tr>
-              <a:tr h="423109">
-                <a:tc>
-                  <a:txBody>
-                    <a:bodyPr/>
-                    <a:lstStyle/>
-                    <a:p>
-                      <a:pPr algn="l" fontAlgn="ctr"/>
-                      <a:r>
-                        <a:rPr lang="nb-NO" b="1">
-                          <a:effectLst/>
-                        </a:rPr>
-                        <a:t>1.0</a:t>
-                      </a:r>
-                    </a:p>
-                  </a:txBody>
-                  <a:tcPr marL="50800" marR="50800" marT="50800" marB="50800" anchor="ctr">
-                    <a:lnL w="12700" cap="flat" cmpd="sng" algn="ctr">
-                      <a:solidFill>
-                        <a:srgbClr val="000000"/>
-                      </a:solidFill>
-                      <a:prstDash val="solid"/>
-                      <a:round/>
-                      <a:headEnd type="none" w="med" len="med"/>
-                      <a:tailEnd type="none" w="med" len="med"/>
-                    </a:lnL>
-                    <a:lnR w="12700" cap="flat" cmpd="sng" algn="ctr">
-                      <a:solidFill>
-                        <a:srgbClr val="000000"/>
-                      </a:solidFill>
-                      <a:prstDash val="solid"/>
-                      <a:round/>
-                      <a:headEnd type="none" w="med" len="med"/>
-                      <a:tailEnd type="none" w="med" len="med"/>
-                    </a:lnR>
-                    <a:lnT w="12700" cap="flat" cmpd="sng" algn="ctr">
-                      <a:solidFill>
-                        <a:srgbClr val="000000"/>
-                      </a:solidFill>
-                      <a:prstDash val="solid"/>
-                      <a:round/>
-                      <a:headEnd type="none" w="med" len="med"/>
-                      <a:tailEnd type="none" w="med" len="med"/>
-                    </a:lnT>
-                    <a:lnB w="12700" cap="flat" cmpd="sng" algn="ctr">
-                      <a:solidFill>
-                        <a:srgbClr val="000000"/>
-                      </a:solidFill>
-                      <a:prstDash val="solid"/>
-                      <a:round/>
-                      <a:headEnd type="none" w="med" len="med"/>
-                      <a:tailEnd type="none" w="med" len="med"/>
-                    </a:lnB>
-                    <a:solidFill>
-                      <a:srgbClr val="FFFFFF"/>
-                    </a:solidFill>
-                  </a:tcPr>
-                </a:tc>
-                <a:tc>
-                  <a:txBody>
-                    <a:bodyPr/>
-                    <a:lstStyle/>
-                    <a:p>
-                      <a:pPr algn="l" fontAlgn="ctr"/>
-                      <a:r>
-                        <a:rPr lang="is-IS">
-                          <a:effectLst/>
-                        </a:rPr>
-                        <a:t>122</a:t>
-                      </a:r>
-                    </a:p>
-                  </a:txBody>
-                  <a:tcPr marL="50800" marR="50800" marT="50800" marB="50800" anchor="ctr">
-                    <a:lnL w="12700" cap="flat" cmpd="sng" algn="ctr">
-                      <a:solidFill>
-                        <a:srgbClr val="000000"/>
-                      </a:solidFill>
-                      <a:prstDash val="solid"/>
-                      <a:round/>
-                      <a:headEnd type="none" w="med" len="med"/>
-                      <a:tailEnd type="none" w="med" len="med"/>
-                    </a:lnL>
-                    <a:lnR w="12700" cap="flat" cmpd="sng" algn="ctr">
-                      <a:solidFill>
-                        <a:srgbClr val="000000"/>
-                      </a:solidFill>
-                      <a:prstDash val="solid"/>
-                      <a:round/>
-                      <a:headEnd type="none" w="med" len="med"/>
-                      <a:tailEnd type="none" w="med" len="med"/>
-                    </a:lnR>
-                    <a:lnT w="12700" cap="flat" cmpd="sng" algn="ctr">
-                      <a:solidFill>
-                        <a:srgbClr val="000000"/>
-                      </a:solidFill>
-                      <a:prstDash val="solid"/>
-                      <a:round/>
-                      <a:headEnd type="none" w="med" len="med"/>
-                      <a:tailEnd type="none" w="med" len="med"/>
-                    </a:lnT>
-                    <a:lnB w="12700" cap="flat" cmpd="sng" algn="ctr">
-                      <a:solidFill>
-                        <a:srgbClr val="000000"/>
-                      </a:solidFill>
-                      <a:prstDash val="solid"/>
-                      <a:round/>
-                      <a:headEnd type="none" w="med" len="med"/>
-                      <a:tailEnd type="none" w="med" len="med"/>
-                    </a:lnB>
-                    <a:solidFill>
-                      <a:srgbClr val="FFFFFF"/>
-                    </a:solidFill>
-                  </a:tcPr>
-                </a:tc>
-                <a:tc>
-                  <a:txBody>
-                    <a:bodyPr/>
-                    <a:lstStyle/>
-                    <a:p>
-                      <a:pPr algn="l" fontAlgn="ctr"/>
-                      <a:r>
-                        <a:rPr lang="en-US" dirty="0">
-                          <a:effectLst/>
-                        </a:rPr>
-                        <a:t>96</a:t>
-                      </a:r>
-                    </a:p>
-                  </a:txBody>
-                  <a:tcPr marL="50800" marR="50800" marT="50800" marB="50800" anchor="ctr">
-                    <a:lnL w="12700" cap="flat" cmpd="sng" algn="ctr">
-                      <a:solidFill>
-                        <a:srgbClr val="000000"/>
-                      </a:solidFill>
-                      <a:prstDash val="solid"/>
-                      <a:round/>
-                      <a:headEnd type="none" w="med" len="med"/>
-                      <a:tailEnd type="none" w="med" len="med"/>
-                    </a:lnL>
-                    <a:lnR w="12700" cap="flat" cmpd="sng" algn="ctr">
-                      <a:solidFill>
-                        <a:srgbClr val="000000"/>
-                      </a:solidFill>
-                      <a:prstDash val="solid"/>
-                      <a:round/>
-                      <a:headEnd type="none" w="med" len="med"/>
-                      <a:tailEnd type="none" w="med" len="med"/>
-                    </a:lnR>
-                    <a:lnT w="12700" cap="flat" cmpd="sng" algn="ctr">
-                      <a:solidFill>
-                        <a:srgbClr val="000000"/>
-                      </a:solidFill>
-                      <a:prstDash val="solid"/>
-                      <a:round/>
-                      <a:headEnd type="none" w="med" len="med"/>
-                      <a:tailEnd type="none" w="med" len="med"/>
-                    </a:lnT>
-                    <a:lnB w="12700" cap="flat" cmpd="sng" algn="ctr">
-                      <a:solidFill>
-                        <a:srgbClr val="000000"/>
-                      </a:solidFill>
-                      <a:prstDash val="solid"/>
-                      <a:round/>
-                      <a:headEnd type="none" w="med" len="med"/>
-                      <a:tailEnd type="none" w="med" len="med"/>
-                    </a:lnB>
-                    <a:solidFill>
-                      <a:srgbClr val="FFFFFF"/>
-                    </a:solidFill>
-                  </a:tcPr>
-                </a:tc>
-              </a:tr>
-            </a:tbl>
-          </a:graphicData>
-        </a:graphic>
-      </p:graphicFrame>
-    </p:spTree>
-    <p:extLst>
-      <p:ext uri="{BB962C8B-B14F-4D97-AF65-F5344CB8AC3E}">
-        <p14:creationId xmlns:p14="http://schemas.microsoft.com/office/powerpoint/2010/main" val="2111814051"/>
       </p:ext>
     </p:extLst>
   </p:cSld>
@@ -5317,6 +4612,834 @@
           <a:p>
             <a:r>
               <a:rPr lang="en-US" sz="2000" dirty="0"/>
+              <a:t>Medium </a:t>
+            </a:r>
+            <a:r>
+              <a:rPr lang="en-US" sz="2000" dirty="0" smtClean="0"/>
+              <a:t>salary classification</a:t>
+            </a:r>
+            <a:endParaRPr lang="en-US" sz="2000" dirty="0"/>
+          </a:p>
+          <a:p>
+            <a:pPr lvl="1"/>
+            <a:r>
+              <a:rPr lang="en-US" sz="2000" dirty="0"/>
+              <a:t>Model still not any better at 57%</a:t>
+            </a:r>
+          </a:p>
+        </p:txBody>
+      </p:sp>
+      <p:graphicFrame>
+        <p:nvGraphicFramePr>
+          <p:cNvPr id="5" name="Table 4"/>
+          <p:cNvGraphicFramePr>
+            <a:graphicFrameLocks noGrp="1"/>
+          </p:cNvGraphicFramePr>
+          <p:nvPr>
+            <p:extLst>
+              <p:ext uri="{D42A27DB-BD31-4B8C-83A1-F6EECF244321}">
+                <p14:modId xmlns:p14="http://schemas.microsoft.com/office/powerpoint/2010/main" val="753122780"/>
+              </p:ext>
+            </p:extLst>
+          </p:nvPr>
+        </p:nvGraphicFramePr>
+        <p:xfrm>
+          <a:off x="595883" y="3041510"/>
+          <a:ext cx="4282440" cy="1919567"/>
+        </p:xfrm>
+        <a:graphic>
+          <a:graphicData uri="http://schemas.openxmlformats.org/drawingml/2006/table">
+            <a:tbl>
+              <a:tblPr/>
+              <a:tblGrid>
+                <a:gridCol w="1427480"/>
+                <a:gridCol w="1427480"/>
+                <a:gridCol w="1427480"/>
+              </a:tblGrid>
+              <a:tr h="423109">
+                <a:tc>
+                  <a:txBody>
+                    <a:bodyPr/>
+                    <a:lstStyle/>
+                    <a:p>
+                      <a:pPr algn="l" fontAlgn="ctr"/>
+                      <a:r>
+                        <a:rPr lang="en-US" b="1">
+                          <a:effectLst/>
+                        </a:rPr>
+                        <a:t>True Class</a:t>
+                      </a:r>
+                    </a:p>
+                  </a:txBody>
+                  <a:tcPr marL="50800" marR="50800" marT="50800" marB="50800" anchor="ctr">
+                    <a:lnL w="12700" cap="flat" cmpd="sng" algn="ctr">
+                      <a:solidFill>
+                        <a:srgbClr val="000000"/>
+                      </a:solidFill>
+                      <a:prstDash val="solid"/>
+                      <a:round/>
+                      <a:headEnd type="none" w="med" len="med"/>
+                      <a:tailEnd type="none" w="med" len="med"/>
+                    </a:lnL>
+                    <a:lnR w="12700" cap="flat" cmpd="sng" algn="ctr">
+                      <a:solidFill>
+                        <a:srgbClr val="000000"/>
+                      </a:solidFill>
+                      <a:prstDash val="solid"/>
+                      <a:round/>
+                      <a:headEnd type="none" w="med" len="med"/>
+                      <a:tailEnd type="none" w="med" len="med"/>
+                    </a:lnR>
+                    <a:lnT w="12700" cap="flat" cmpd="sng" algn="ctr">
+                      <a:solidFill>
+                        <a:srgbClr val="000000"/>
+                      </a:solidFill>
+                      <a:prstDash val="solid"/>
+                      <a:round/>
+                      <a:headEnd type="none" w="med" len="med"/>
+                      <a:tailEnd type="none" w="med" len="med"/>
+                    </a:lnT>
+                    <a:lnB w="12700" cap="flat" cmpd="sng" algn="ctr">
+                      <a:solidFill>
+                        <a:srgbClr val="000000"/>
+                      </a:solidFill>
+                      <a:prstDash val="solid"/>
+                      <a:round/>
+                      <a:headEnd type="none" w="med" len="med"/>
+                      <a:tailEnd type="none" w="med" len="med"/>
+                    </a:lnB>
+                    <a:solidFill>
+                      <a:srgbClr val="FFFFFF"/>
+                    </a:solidFill>
+                  </a:tcPr>
+                </a:tc>
+                <a:tc>
+                  <a:txBody>
+                    <a:bodyPr/>
+                    <a:lstStyle/>
+                    <a:p>
+                      <a:pPr algn="l" fontAlgn="ctr"/>
+                      <a:r>
+                        <a:rPr lang="en-US" b="1">
+                          <a:effectLst/>
+                        </a:rPr>
+                        <a:t>0</a:t>
+                      </a:r>
+                    </a:p>
+                  </a:txBody>
+                  <a:tcPr marL="50800" marR="50800" marT="50800" marB="50800" anchor="ctr">
+                    <a:lnL w="12700" cap="flat" cmpd="sng" algn="ctr">
+                      <a:solidFill>
+                        <a:srgbClr val="000000"/>
+                      </a:solidFill>
+                      <a:prstDash val="solid"/>
+                      <a:round/>
+                      <a:headEnd type="none" w="med" len="med"/>
+                      <a:tailEnd type="none" w="med" len="med"/>
+                    </a:lnL>
+                    <a:lnR w="12700" cap="flat" cmpd="sng" algn="ctr">
+                      <a:solidFill>
+                        <a:srgbClr val="000000"/>
+                      </a:solidFill>
+                      <a:prstDash val="solid"/>
+                      <a:round/>
+                      <a:headEnd type="none" w="med" len="med"/>
+                      <a:tailEnd type="none" w="med" len="med"/>
+                    </a:lnR>
+                    <a:lnT w="12700" cap="flat" cmpd="sng" algn="ctr">
+                      <a:solidFill>
+                        <a:srgbClr val="000000"/>
+                      </a:solidFill>
+                      <a:prstDash val="solid"/>
+                      <a:round/>
+                      <a:headEnd type="none" w="med" len="med"/>
+                      <a:tailEnd type="none" w="med" len="med"/>
+                    </a:lnT>
+                    <a:lnB w="12700" cap="flat" cmpd="sng" algn="ctr">
+                      <a:solidFill>
+                        <a:srgbClr val="000000"/>
+                      </a:solidFill>
+                      <a:prstDash val="solid"/>
+                      <a:round/>
+                      <a:headEnd type="none" w="med" len="med"/>
+                      <a:tailEnd type="none" w="med" len="med"/>
+                    </a:lnB>
+                    <a:solidFill>
+                      <a:srgbClr val="FFFFFF"/>
+                    </a:solidFill>
+                  </a:tcPr>
+                </a:tc>
+                <a:tc>
+                  <a:txBody>
+                    <a:bodyPr/>
+                    <a:lstStyle/>
+                    <a:p>
+                      <a:pPr algn="l" fontAlgn="ctr"/>
+                      <a:r>
+                        <a:rPr lang="en-US" b="1">
+                          <a:effectLst/>
+                        </a:rPr>
+                        <a:t>1</a:t>
+                      </a:r>
+                    </a:p>
+                  </a:txBody>
+                  <a:tcPr marL="50800" marR="50800" marT="50800" marB="50800" anchor="ctr">
+                    <a:lnL w="12700" cap="flat" cmpd="sng" algn="ctr">
+                      <a:solidFill>
+                        <a:srgbClr val="000000"/>
+                      </a:solidFill>
+                      <a:prstDash val="solid"/>
+                      <a:round/>
+                      <a:headEnd type="none" w="med" len="med"/>
+                      <a:tailEnd type="none" w="med" len="med"/>
+                    </a:lnL>
+                    <a:lnR w="12700" cap="flat" cmpd="sng" algn="ctr">
+                      <a:solidFill>
+                        <a:srgbClr val="000000"/>
+                      </a:solidFill>
+                      <a:prstDash val="solid"/>
+                      <a:round/>
+                      <a:headEnd type="none" w="med" len="med"/>
+                      <a:tailEnd type="none" w="med" len="med"/>
+                    </a:lnR>
+                    <a:lnT w="12700" cap="flat" cmpd="sng" algn="ctr">
+                      <a:solidFill>
+                        <a:srgbClr val="000000"/>
+                      </a:solidFill>
+                      <a:prstDash val="solid"/>
+                      <a:round/>
+                      <a:headEnd type="none" w="med" len="med"/>
+                      <a:tailEnd type="none" w="med" len="med"/>
+                    </a:lnT>
+                    <a:lnB w="12700" cap="flat" cmpd="sng" algn="ctr">
+                      <a:solidFill>
+                        <a:srgbClr val="000000"/>
+                      </a:solidFill>
+                      <a:prstDash val="solid"/>
+                      <a:round/>
+                      <a:headEnd type="none" w="med" len="med"/>
+                      <a:tailEnd type="none" w="med" len="med"/>
+                    </a:lnB>
+                    <a:solidFill>
+                      <a:srgbClr val="FFFFFF"/>
+                    </a:solidFill>
+                  </a:tcPr>
+                </a:tc>
+              </a:tr>
+              <a:tr h="423109">
+                <a:tc>
+                  <a:txBody>
+                    <a:bodyPr/>
+                    <a:lstStyle/>
+                    <a:p>
+                      <a:pPr algn="l" fontAlgn="ctr"/>
+                      <a:r>
+                        <a:rPr lang="en-US" b="1">
+                          <a:effectLst/>
+                        </a:rPr>
+                        <a:t>Hypothesized Class</a:t>
+                      </a:r>
+                    </a:p>
+                  </a:txBody>
+                  <a:tcPr marL="50800" marR="50800" marT="50800" marB="50800" anchor="ctr">
+                    <a:lnL w="12700" cap="flat" cmpd="sng" algn="ctr">
+                      <a:solidFill>
+                        <a:srgbClr val="000000"/>
+                      </a:solidFill>
+                      <a:prstDash val="solid"/>
+                      <a:round/>
+                      <a:headEnd type="none" w="med" len="med"/>
+                      <a:tailEnd type="none" w="med" len="med"/>
+                    </a:lnL>
+                    <a:lnR w="12700" cap="flat" cmpd="sng" algn="ctr">
+                      <a:solidFill>
+                        <a:srgbClr val="000000"/>
+                      </a:solidFill>
+                      <a:prstDash val="solid"/>
+                      <a:round/>
+                      <a:headEnd type="none" w="med" len="med"/>
+                      <a:tailEnd type="none" w="med" len="med"/>
+                    </a:lnR>
+                    <a:lnT w="12700" cap="flat" cmpd="sng" algn="ctr">
+                      <a:solidFill>
+                        <a:srgbClr val="000000"/>
+                      </a:solidFill>
+                      <a:prstDash val="solid"/>
+                      <a:round/>
+                      <a:headEnd type="none" w="med" len="med"/>
+                      <a:tailEnd type="none" w="med" len="med"/>
+                    </a:lnT>
+                    <a:lnB w="12700" cap="flat" cmpd="sng" algn="ctr">
+                      <a:solidFill>
+                        <a:srgbClr val="000000"/>
+                      </a:solidFill>
+                      <a:prstDash val="solid"/>
+                      <a:round/>
+                      <a:headEnd type="none" w="med" len="med"/>
+                      <a:tailEnd type="none" w="med" len="med"/>
+                    </a:lnB>
+                    <a:solidFill>
+                      <a:srgbClr val="FFFFFF"/>
+                    </a:solidFill>
+                  </a:tcPr>
+                </a:tc>
+                <a:tc>
+                  <a:txBody>
+                    <a:bodyPr/>
+                    <a:lstStyle/>
+                    <a:p>
+                      <a:pPr algn="l" fontAlgn="ctr"/>
+                      <a:endParaRPr lang="en-US" b="1">
+                        <a:effectLst/>
+                      </a:endParaRPr>
+                    </a:p>
+                  </a:txBody>
+                  <a:tcPr marL="50800" marR="50800" marT="50800" marB="50800" anchor="ctr">
+                    <a:lnL w="12700" cap="flat" cmpd="sng" algn="ctr">
+                      <a:solidFill>
+                        <a:srgbClr val="000000"/>
+                      </a:solidFill>
+                      <a:prstDash val="solid"/>
+                      <a:round/>
+                      <a:headEnd type="none" w="med" len="med"/>
+                      <a:tailEnd type="none" w="med" len="med"/>
+                    </a:lnL>
+                    <a:lnR w="12700" cap="flat" cmpd="sng" algn="ctr">
+                      <a:solidFill>
+                        <a:srgbClr val="000000"/>
+                      </a:solidFill>
+                      <a:prstDash val="solid"/>
+                      <a:round/>
+                      <a:headEnd type="none" w="med" len="med"/>
+                      <a:tailEnd type="none" w="med" len="med"/>
+                    </a:lnR>
+                    <a:lnT w="12700" cap="flat" cmpd="sng" algn="ctr">
+                      <a:solidFill>
+                        <a:srgbClr val="000000"/>
+                      </a:solidFill>
+                      <a:prstDash val="solid"/>
+                      <a:round/>
+                      <a:headEnd type="none" w="med" len="med"/>
+                      <a:tailEnd type="none" w="med" len="med"/>
+                    </a:lnT>
+                    <a:lnB w="12700" cap="flat" cmpd="sng" algn="ctr">
+                      <a:solidFill>
+                        <a:srgbClr val="000000"/>
+                      </a:solidFill>
+                      <a:prstDash val="solid"/>
+                      <a:round/>
+                      <a:headEnd type="none" w="med" len="med"/>
+                      <a:tailEnd type="none" w="med" len="med"/>
+                    </a:lnB>
+                    <a:solidFill>
+                      <a:srgbClr val="FFFFFF"/>
+                    </a:solidFill>
+                  </a:tcPr>
+                </a:tc>
+                <a:tc>
+                  <a:txBody>
+                    <a:bodyPr/>
+                    <a:lstStyle/>
+                    <a:p>
+                      <a:pPr algn="l" fontAlgn="ctr"/>
+                      <a:endParaRPr lang="en-US" b="1" dirty="0">
+                        <a:effectLst/>
+                      </a:endParaRPr>
+                    </a:p>
+                  </a:txBody>
+                  <a:tcPr marL="50800" marR="50800" marT="50800" marB="50800" anchor="ctr">
+                    <a:lnL w="12700" cap="flat" cmpd="sng" algn="ctr">
+                      <a:solidFill>
+                        <a:srgbClr val="000000"/>
+                      </a:solidFill>
+                      <a:prstDash val="solid"/>
+                      <a:round/>
+                      <a:headEnd type="none" w="med" len="med"/>
+                      <a:tailEnd type="none" w="med" len="med"/>
+                    </a:lnL>
+                    <a:lnR w="12700" cap="flat" cmpd="sng" algn="ctr">
+                      <a:solidFill>
+                        <a:srgbClr val="000000"/>
+                      </a:solidFill>
+                      <a:prstDash val="solid"/>
+                      <a:round/>
+                      <a:headEnd type="none" w="med" len="med"/>
+                      <a:tailEnd type="none" w="med" len="med"/>
+                    </a:lnR>
+                    <a:lnT w="12700" cap="flat" cmpd="sng" algn="ctr">
+                      <a:solidFill>
+                        <a:srgbClr val="000000"/>
+                      </a:solidFill>
+                      <a:prstDash val="solid"/>
+                      <a:round/>
+                      <a:headEnd type="none" w="med" len="med"/>
+                      <a:tailEnd type="none" w="med" len="med"/>
+                    </a:lnT>
+                    <a:lnB w="12700" cap="flat" cmpd="sng" algn="ctr">
+                      <a:solidFill>
+                        <a:srgbClr val="000000"/>
+                      </a:solidFill>
+                      <a:prstDash val="solid"/>
+                      <a:round/>
+                      <a:headEnd type="none" w="med" len="med"/>
+                      <a:tailEnd type="none" w="med" len="med"/>
+                    </a:lnB>
+                    <a:solidFill>
+                      <a:srgbClr val="FFFFFF"/>
+                    </a:solidFill>
+                  </a:tcPr>
+                </a:tc>
+              </a:tr>
+              <a:tr h="423109">
+                <a:tc>
+                  <a:txBody>
+                    <a:bodyPr/>
+                    <a:lstStyle/>
+                    <a:p>
+                      <a:pPr algn="l" fontAlgn="ctr"/>
+                      <a:r>
+                        <a:rPr lang="nb-NO" b="1">
+                          <a:effectLst/>
+                        </a:rPr>
+                        <a:t>0.0</a:t>
+                      </a:r>
+                    </a:p>
+                  </a:txBody>
+                  <a:tcPr marL="50800" marR="50800" marT="50800" marB="50800" anchor="ctr">
+                    <a:lnL w="12700" cap="flat" cmpd="sng" algn="ctr">
+                      <a:solidFill>
+                        <a:srgbClr val="000000"/>
+                      </a:solidFill>
+                      <a:prstDash val="solid"/>
+                      <a:round/>
+                      <a:headEnd type="none" w="med" len="med"/>
+                      <a:tailEnd type="none" w="med" len="med"/>
+                    </a:lnL>
+                    <a:lnR w="12700" cap="flat" cmpd="sng" algn="ctr">
+                      <a:solidFill>
+                        <a:srgbClr val="000000"/>
+                      </a:solidFill>
+                      <a:prstDash val="solid"/>
+                      <a:round/>
+                      <a:headEnd type="none" w="med" len="med"/>
+                      <a:tailEnd type="none" w="med" len="med"/>
+                    </a:lnR>
+                    <a:lnT w="12700" cap="flat" cmpd="sng" algn="ctr">
+                      <a:solidFill>
+                        <a:srgbClr val="000000"/>
+                      </a:solidFill>
+                      <a:prstDash val="solid"/>
+                      <a:round/>
+                      <a:headEnd type="none" w="med" len="med"/>
+                      <a:tailEnd type="none" w="med" len="med"/>
+                    </a:lnT>
+                    <a:lnB w="12700" cap="flat" cmpd="sng" algn="ctr">
+                      <a:solidFill>
+                        <a:srgbClr val="000000"/>
+                      </a:solidFill>
+                      <a:prstDash val="solid"/>
+                      <a:round/>
+                      <a:headEnd type="none" w="med" len="med"/>
+                      <a:tailEnd type="none" w="med" len="med"/>
+                    </a:lnB>
+                    <a:solidFill>
+                      <a:srgbClr val="FFFFFF"/>
+                    </a:solidFill>
+                  </a:tcPr>
+                </a:tc>
+                <a:tc>
+                  <a:txBody>
+                    <a:bodyPr/>
+                    <a:lstStyle/>
+                    <a:p>
+                      <a:pPr algn="l" fontAlgn="ctr"/>
+                      <a:r>
+                        <a:rPr lang="en-US">
+                          <a:effectLst/>
+                        </a:rPr>
+                        <a:t>8431</a:t>
+                      </a:r>
+                    </a:p>
+                  </a:txBody>
+                  <a:tcPr marL="50800" marR="50800" marT="50800" marB="50800" anchor="ctr">
+                    <a:lnL w="12700" cap="flat" cmpd="sng" algn="ctr">
+                      <a:solidFill>
+                        <a:srgbClr val="000000"/>
+                      </a:solidFill>
+                      <a:prstDash val="solid"/>
+                      <a:round/>
+                      <a:headEnd type="none" w="med" len="med"/>
+                      <a:tailEnd type="none" w="med" len="med"/>
+                    </a:lnL>
+                    <a:lnR w="12700" cap="flat" cmpd="sng" algn="ctr">
+                      <a:solidFill>
+                        <a:srgbClr val="000000"/>
+                      </a:solidFill>
+                      <a:prstDash val="solid"/>
+                      <a:round/>
+                      <a:headEnd type="none" w="med" len="med"/>
+                      <a:tailEnd type="none" w="med" len="med"/>
+                    </a:lnR>
+                    <a:lnT w="12700" cap="flat" cmpd="sng" algn="ctr">
+                      <a:solidFill>
+                        <a:srgbClr val="000000"/>
+                      </a:solidFill>
+                      <a:prstDash val="solid"/>
+                      <a:round/>
+                      <a:headEnd type="none" w="med" len="med"/>
+                      <a:tailEnd type="none" w="med" len="med"/>
+                    </a:lnT>
+                    <a:lnB w="12700" cap="flat" cmpd="sng" algn="ctr">
+                      <a:solidFill>
+                        <a:srgbClr val="000000"/>
+                      </a:solidFill>
+                      <a:prstDash val="solid"/>
+                      <a:round/>
+                      <a:headEnd type="none" w="med" len="med"/>
+                      <a:tailEnd type="none" w="med" len="med"/>
+                    </a:lnB>
+                    <a:solidFill>
+                      <a:srgbClr val="FFFFFF"/>
+                    </a:solidFill>
+                  </a:tcPr>
+                </a:tc>
+                <a:tc>
+                  <a:txBody>
+                    <a:bodyPr/>
+                    <a:lstStyle/>
+                    <a:p>
+                      <a:pPr algn="l" fontAlgn="ctr"/>
+                      <a:r>
+                        <a:rPr lang="is-IS">
+                          <a:effectLst/>
+                        </a:rPr>
+                        <a:t>6350</a:t>
+                      </a:r>
+                    </a:p>
+                  </a:txBody>
+                  <a:tcPr marL="50800" marR="50800" marT="50800" marB="50800" anchor="ctr">
+                    <a:lnL w="12700" cap="flat" cmpd="sng" algn="ctr">
+                      <a:solidFill>
+                        <a:srgbClr val="000000"/>
+                      </a:solidFill>
+                      <a:prstDash val="solid"/>
+                      <a:round/>
+                      <a:headEnd type="none" w="med" len="med"/>
+                      <a:tailEnd type="none" w="med" len="med"/>
+                    </a:lnL>
+                    <a:lnR w="12700" cap="flat" cmpd="sng" algn="ctr">
+                      <a:solidFill>
+                        <a:srgbClr val="000000"/>
+                      </a:solidFill>
+                      <a:prstDash val="solid"/>
+                      <a:round/>
+                      <a:headEnd type="none" w="med" len="med"/>
+                      <a:tailEnd type="none" w="med" len="med"/>
+                    </a:lnR>
+                    <a:lnT w="12700" cap="flat" cmpd="sng" algn="ctr">
+                      <a:solidFill>
+                        <a:srgbClr val="000000"/>
+                      </a:solidFill>
+                      <a:prstDash val="solid"/>
+                      <a:round/>
+                      <a:headEnd type="none" w="med" len="med"/>
+                      <a:tailEnd type="none" w="med" len="med"/>
+                    </a:lnT>
+                    <a:lnB w="12700" cap="flat" cmpd="sng" algn="ctr">
+                      <a:solidFill>
+                        <a:srgbClr val="000000"/>
+                      </a:solidFill>
+                      <a:prstDash val="solid"/>
+                      <a:round/>
+                      <a:headEnd type="none" w="med" len="med"/>
+                      <a:tailEnd type="none" w="med" len="med"/>
+                    </a:lnB>
+                    <a:solidFill>
+                      <a:srgbClr val="FFFFFF"/>
+                    </a:solidFill>
+                  </a:tcPr>
+                </a:tc>
+              </a:tr>
+              <a:tr h="423109">
+                <a:tc>
+                  <a:txBody>
+                    <a:bodyPr/>
+                    <a:lstStyle/>
+                    <a:p>
+                      <a:pPr algn="l" fontAlgn="ctr"/>
+                      <a:r>
+                        <a:rPr lang="nb-NO" b="1">
+                          <a:effectLst/>
+                        </a:rPr>
+                        <a:t>1.0</a:t>
+                      </a:r>
+                    </a:p>
+                  </a:txBody>
+                  <a:tcPr marL="50800" marR="50800" marT="50800" marB="50800" anchor="ctr">
+                    <a:lnL w="12700" cap="flat" cmpd="sng" algn="ctr">
+                      <a:solidFill>
+                        <a:srgbClr val="000000"/>
+                      </a:solidFill>
+                      <a:prstDash val="solid"/>
+                      <a:round/>
+                      <a:headEnd type="none" w="med" len="med"/>
+                      <a:tailEnd type="none" w="med" len="med"/>
+                    </a:lnL>
+                    <a:lnR w="12700" cap="flat" cmpd="sng" algn="ctr">
+                      <a:solidFill>
+                        <a:srgbClr val="000000"/>
+                      </a:solidFill>
+                      <a:prstDash val="solid"/>
+                      <a:round/>
+                      <a:headEnd type="none" w="med" len="med"/>
+                      <a:tailEnd type="none" w="med" len="med"/>
+                    </a:lnR>
+                    <a:lnT w="12700" cap="flat" cmpd="sng" algn="ctr">
+                      <a:solidFill>
+                        <a:srgbClr val="000000"/>
+                      </a:solidFill>
+                      <a:prstDash val="solid"/>
+                      <a:round/>
+                      <a:headEnd type="none" w="med" len="med"/>
+                      <a:tailEnd type="none" w="med" len="med"/>
+                    </a:lnT>
+                    <a:lnB w="12700" cap="flat" cmpd="sng" algn="ctr">
+                      <a:solidFill>
+                        <a:srgbClr val="000000"/>
+                      </a:solidFill>
+                      <a:prstDash val="solid"/>
+                      <a:round/>
+                      <a:headEnd type="none" w="med" len="med"/>
+                      <a:tailEnd type="none" w="med" len="med"/>
+                    </a:lnB>
+                    <a:solidFill>
+                      <a:srgbClr val="FFFFFF"/>
+                    </a:solidFill>
+                  </a:tcPr>
+                </a:tc>
+                <a:tc>
+                  <a:txBody>
+                    <a:bodyPr/>
+                    <a:lstStyle/>
+                    <a:p>
+                      <a:pPr algn="l" fontAlgn="ctr"/>
+                      <a:r>
+                        <a:rPr lang="is-IS">
+                          <a:effectLst/>
+                        </a:rPr>
+                        <a:t>122</a:t>
+                      </a:r>
+                    </a:p>
+                  </a:txBody>
+                  <a:tcPr marL="50800" marR="50800" marT="50800" marB="50800" anchor="ctr">
+                    <a:lnL w="12700" cap="flat" cmpd="sng" algn="ctr">
+                      <a:solidFill>
+                        <a:srgbClr val="000000"/>
+                      </a:solidFill>
+                      <a:prstDash val="solid"/>
+                      <a:round/>
+                      <a:headEnd type="none" w="med" len="med"/>
+                      <a:tailEnd type="none" w="med" len="med"/>
+                    </a:lnL>
+                    <a:lnR w="12700" cap="flat" cmpd="sng" algn="ctr">
+                      <a:solidFill>
+                        <a:srgbClr val="000000"/>
+                      </a:solidFill>
+                      <a:prstDash val="solid"/>
+                      <a:round/>
+                      <a:headEnd type="none" w="med" len="med"/>
+                      <a:tailEnd type="none" w="med" len="med"/>
+                    </a:lnR>
+                    <a:lnT w="12700" cap="flat" cmpd="sng" algn="ctr">
+                      <a:solidFill>
+                        <a:srgbClr val="000000"/>
+                      </a:solidFill>
+                      <a:prstDash val="solid"/>
+                      <a:round/>
+                      <a:headEnd type="none" w="med" len="med"/>
+                      <a:tailEnd type="none" w="med" len="med"/>
+                    </a:lnT>
+                    <a:lnB w="12700" cap="flat" cmpd="sng" algn="ctr">
+                      <a:solidFill>
+                        <a:srgbClr val="000000"/>
+                      </a:solidFill>
+                      <a:prstDash val="solid"/>
+                      <a:round/>
+                      <a:headEnd type="none" w="med" len="med"/>
+                      <a:tailEnd type="none" w="med" len="med"/>
+                    </a:lnB>
+                    <a:solidFill>
+                      <a:srgbClr val="FFFFFF"/>
+                    </a:solidFill>
+                  </a:tcPr>
+                </a:tc>
+                <a:tc>
+                  <a:txBody>
+                    <a:bodyPr/>
+                    <a:lstStyle/>
+                    <a:p>
+                      <a:pPr algn="l" fontAlgn="ctr"/>
+                      <a:r>
+                        <a:rPr lang="en-US" dirty="0">
+                          <a:effectLst/>
+                        </a:rPr>
+                        <a:t>96</a:t>
+                      </a:r>
+                    </a:p>
+                  </a:txBody>
+                  <a:tcPr marL="50800" marR="50800" marT="50800" marB="50800" anchor="ctr">
+                    <a:lnL w="12700" cap="flat" cmpd="sng" algn="ctr">
+                      <a:solidFill>
+                        <a:srgbClr val="000000"/>
+                      </a:solidFill>
+                      <a:prstDash val="solid"/>
+                      <a:round/>
+                      <a:headEnd type="none" w="med" len="med"/>
+                      <a:tailEnd type="none" w="med" len="med"/>
+                    </a:lnL>
+                    <a:lnR w="12700" cap="flat" cmpd="sng" algn="ctr">
+                      <a:solidFill>
+                        <a:srgbClr val="000000"/>
+                      </a:solidFill>
+                      <a:prstDash val="solid"/>
+                      <a:round/>
+                      <a:headEnd type="none" w="med" len="med"/>
+                      <a:tailEnd type="none" w="med" len="med"/>
+                    </a:lnR>
+                    <a:lnT w="12700" cap="flat" cmpd="sng" algn="ctr">
+                      <a:solidFill>
+                        <a:srgbClr val="000000"/>
+                      </a:solidFill>
+                      <a:prstDash val="solid"/>
+                      <a:round/>
+                      <a:headEnd type="none" w="med" len="med"/>
+                      <a:tailEnd type="none" w="med" len="med"/>
+                    </a:lnT>
+                    <a:lnB w="12700" cap="flat" cmpd="sng" algn="ctr">
+                      <a:solidFill>
+                        <a:srgbClr val="000000"/>
+                      </a:solidFill>
+                      <a:prstDash val="solid"/>
+                      <a:round/>
+                      <a:headEnd type="none" w="med" len="med"/>
+                      <a:tailEnd type="none" w="med" len="med"/>
+                    </a:lnB>
+                    <a:solidFill>
+                      <a:srgbClr val="FFFFFF"/>
+                    </a:solidFill>
+                  </a:tcPr>
+                </a:tc>
+              </a:tr>
+            </a:tbl>
+          </a:graphicData>
+        </a:graphic>
+      </p:graphicFrame>
+    </p:spTree>
+    <p:extLst>
+      <p:ext uri="{BB962C8B-B14F-4D97-AF65-F5344CB8AC3E}">
+        <p14:creationId xmlns:p14="http://schemas.microsoft.com/office/powerpoint/2010/main" val="2111814051"/>
+      </p:ext>
+    </p:extLst>
+  </p:cSld>
+  <p:clrMapOvr>
+    <a:masterClrMapping/>
+  </p:clrMapOvr>
+</p:sld>
+</file>
+
+<file path=ppt/slides/slide6.xml><?xml version="1.0" encoding="utf-8"?>
+<p:sld xmlns:a="http://schemas.openxmlformats.org/drawingml/2006/main" xmlns:r="http://schemas.openxmlformats.org/officeDocument/2006/relationships" xmlns:p="http://schemas.openxmlformats.org/presentationml/2006/main">
+  <p:cSld>
+    <p:spTree>
+      <p:nvGrpSpPr>
+        <p:cNvPr id="1" name=""/>
+        <p:cNvGrpSpPr/>
+        <p:nvPr/>
+      </p:nvGrpSpPr>
+      <p:grpSpPr>
+        <a:xfrm>
+          <a:off x="0" y="0"/>
+          <a:ext cx="0" cy="0"/>
+          <a:chOff x="0" y="0"/>
+          <a:chExt cx="0" cy="0"/>
+        </a:xfrm>
+      </p:grpSpPr>
+      <p:pic>
+        <p:nvPicPr>
+          <p:cNvPr id="4" name="Picture 3"/>
+          <p:cNvPicPr>
+            <a:picLocks noChangeAspect="1"/>
+          </p:cNvPicPr>
+          <p:nvPr/>
+        </p:nvPicPr>
+        <p:blipFill rotWithShape="1">
+          <a:blip r:embed="rId2"/>
+          <a:srcRect l="4167" r="-2" b="-2"/>
+          <a:stretch/>
+        </p:blipFill>
+        <p:spPr>
+          <a:xfrm>
+            <a:off x="5120640" y="1904281"/>
+            <a:ext cx="6233160" cy="4272681"/>
+          </a:xfrm>
+          <a:prstGeom prst="rect">
+            <a:avLst/>
+          </a:prstGeom>
+        </p:spPr>
+      </p:pic>
+      <p:sp>
+        <p:nvSpPr>
+          <p:cNvPr id="2" name="Title 1"/>
+          <p:cNvSpPr>
+            <a:spLocks noGrp="1"/>
+          </p:cNvSpPr>
+          <p:nvPr>
+            <p:ph type="title"/>
+          </p:nvPr>
+        </p:nvSpPr>
+        <p:spPr>
+          <a:xfrm>
+            <a:off x="838200" y="365125"/>
+            <a:ext cx="10515600" cy="1325563"/>
+          </a:xfrm>
+        </p:spPr>
+        <p:txBody>
+          <a:bodyPr>
+            <a:normAutofit/>
+          </a:bodyPr>
+          <a:lstStyle/>
+          <a:p>
+            <a:r>
+              <a:rPr lang="en-US" dirty="0"/>
+              <a:t>Log odds plots </a:t>
+            </a:r>
+          </a:p>
+        </p:txBody>
+      </p:sp>
+      <p:sp>
+        <p:nvSpPr>
+          <p:cNvPr id="3" name="Content Placeholder 2"/>
+          <p:cNvSpPr>
+            <a:spLocks noGrp="1"/>
+          </p:cNvSpPr>
+          <p:nvPr>
+            <p:ph idx="1"/>
+          </p:nvPr>
+        </p:nvSpPr>
+        <p:spPr>
+          <a:xfrm>
+            <a:off x="838200" y="1825625"/>
+            <a:ext cx="3797807" cy="4351338"/>
+          </a:xfrm>
+        </p:spPr>
+        <p:txBody>
+          <a:bodyPr>
+            <a:normAutofit/>
+          </a:bodyPr>
+          <a:lstStyle/>
+          <a:p>
+            <a:r>
+              <a:rPr lang="en-US" sz="2000" dirty="0"/>
               <a:t>High Classification</a:t>
             </a:r>
           </a:p>
@@ -5885,7 +6008,7 @@
 </p:sld>
 </file>
 
-<file path=ppt/slides/slide6.xml><?xml version="1.0" encoding="utf-8"?>
+<file path=ppt/slides/slide7.xml><?xml version="1.0" encoding="utf-8"?>
 <p:sld xmlns:a="http://schemas.openxmlformats.org/drawingml/2006/main" xmlns:r="http://schemas.openxmlformats.org/officeDocument/2006/relationships" xmlns:p="http://schemas.openxmlformats.org/presentationml/2006/main">
   <p:cSld>
     <p:spTree>
@@ -6887,7 +7010,7 @@
 </p:sld>
 </file>
 
-<file path=ppt/slides/slide7.xml><?xml version="1.0" encoding="utf-8"?>
+<file path=ppt/slides/slide8.xml><?xml version="1.0" encoding="utf-8"?>
 <p:sld xmlns:a="http://schemas.openxmlformats.org/drawingml/2006/main" xmlns:r="http://schemas.openxmlformats.org/officeDocument/2006/relationships" xmlns:p="http://schemas.openxmlformats.org/presentationml/2006/main">
   <p:cSld>
     <p:spTree>
@@ -6951,28 +7074,48 @@
             <a:pPr lvl="1"/>
             <a:r>
               <a:rPr lang="en-US" dirty="0" smtClean="0"/>
-              <a:t>Some feature engineering</a:t>
-            </a:r>
+              <a:t>Some feature </a:t>
+            </a:r>
+            <a:r>
+              <a:rPr lang="en-US" dirty="0" smtClean="0"/>
+              <a:t>engineering</a:t>
+            </a:r>
+            <a:endParaRPr lang="en-US" dirty="0" smtClean="0"/>
           </a:p>
           <a:p>
             <a:pPr lvl="1"/>
             <a:r>
               <a:rPr lang="en-US" dirty="0" smtClean="0"/>
-              <a:t>Adding in the different departments</a:t>
+              <a:t>Adding in the different </a:t>
+            </a:r>
+            <a:r>
+              <a:rPr lang="en-US" dirty="0" smtClean="0"/>
+              <a:t>departments</a:t>
             </a:r>
           </a:p>
           <a:p>
             <a:pPr lvl="1"/>
             <a:r>
               <a:rPr lang="en-US" dirty="0" smtClean="0"/>
-              <a:t>Having more knowledge in Logistic Regression and how to apply it</a:t>
-            </a:r>
-          </a:p>
-          <a:p>
+              <a:t>Plan out how to tackle this dataset</a:t>
+            </a:r>
+            <a:endParaRPr lang="en-US" dirty="0" smtClean="0"/>
+          </a:p>
+          <a:p>
+            <a:pPr lvl="1"/>
             <a:r>
               <a:rPr lang="en-US" dirty="0" smtClean="0"/>
-              <a:t>Random Forest might be more suited for this dataset. </a:t>
-            </a:r>
+              <a:t>Having more knowledge in Logistic Regression and how to </a:t>
+            </a:r>
+            <a:r>
+              <a:rPr lang="en-US" smtClean="0"/>
+              <a:t>apply </a:t>
+            </a:r>
+            <a:r>
+              <a:rPr lang="en-US" smtClean="0"/>
+              <a:t>it</a:t>
+            </a:r>
+            <a:endParaRPr lang="en-US" dirty="0" smtClean="0"/>
           </a:p>
         </p:txBody>
       </p:sp>
